--- a/SVHN.pptx
+++ b/SVHN.pptx
@@ -113,6 +113,11 @@
       </a:defRPr>
     </a:lvl9pPr>
   </p:defaultTextStyle>
+  <p:extLst>
+    <p:ext uri="{EFAFB233-063F-42B5-8137-9DF3F51BA10A}">
+      <p15:sldGuideLst xmlns:p15="http://schemas.microsoft.com/office/powerpoint/2012/main"/>
+    </p:ext>
+  </p:extLst>
 </p:presentation>
 </file>
 
@@ -263,7 +268,7 @@
           <a:p>
             <a:fld id="{454338D7-F725-4020-AE5E-5BA0AE476227}" type="datetimeFigureOut">
               <a:rPr lang="en-US" smtClean="0"/>
-              <a:t>2/4/2022</a:t>
+              <a:t>2/6/2022</a:t>
             </a:fld>
             <a:endParaRPr lang="en-US"/>
           </a:p>
@@ -461,7 +466,7 @@
           <a:p>
             <a:fld id="{454338D7-F725-4020-AE5E-5BA0AE476227}" type="datetimeFigureOut">
               <a:rPr lang="en-US" smtClean="0"/>
-              <a:t>2/4/2022</a:t>
+              <a:t>2/6/2022</a:t>
             </a:fld>
             <a:endParaRPr lang="en-US"/>
           </a:p>
@@ -669,7 +674,7 @@
           <a:p>
             <a:fld id="{454338D7-F725-4020-AE5E-5BA0AE476227}" type="datetimeFigureOut">
               <a:rPr lang="en-US" smtClean="0"/>
-              <a:t>2/4/2022</a:t>
+              <a:t>2/6/2022</a:t>
             </a:fld>
             <a:endParaRPr lang="en-US"/>
           </a:p>
@@ -867,7 +872,7 @@
           <a:p>
             <a:fld id="{454338D7-F725-4020-AE5E-5BA0AE476227}" type="datetimeFigureOut">
               <a:rPr lang="en-US" smtClean="0"/>
-              <a:t>2/4/2022</a:t>
+              <a:t>2/6/2022</a:t>
             </a:fld>
             <a:endParaRPr lang="en-US"/>
           </a:p>
@@ -1142,7 +1147,7 @@
           <a:p>
             <a:fld id="{454338D7-F725-4020-AE5E-5BA0AE476227}" type="datetimeFigureOut">
               <a:rPr lang="en-US" smtClean="0"/>
-              <a:t>2/4/2022</a:t>
+              <a:t>2/6/2022</a:t>
             </a:fld>
             <a:endParaRPr lang="en-US"/>
           </a:p>
@@ -1407,7 +1412,7 @@
           <a:p>
             <a:fld id="{454338D7-F725-4020-AE5E-5BA0AE476227}" type="datetimeFigureOut">
               <a:rPr lang="en-US" smtClean="0"/>
-              <a:t>2/4/2022</a:t>
+              <a:t>2/6/2022</a:t>
             </a:fld>
             <a:endParaRPr lang="en-US"/>
           </a:p>
@@ -1819,7 +1824,7 @@
           <a:p>
             <a:fld id="{454338D7-F725-4020-AE5E-5BA0AE476227}" type="datetimeFigureOut">
               <a:rPr lang="en-US" smtClean="0"/>
-              <a:t>2/4/2022</a:t>
+              <a:t>2/6/2022</a:t>
             </a:fld>
             <a:endParaRPr lang="en-US"/>
           </a:p>
@@ -1960,7 +1965,7 @@
           <a:p>
             <a:fld id="{454338D7-F725-4020-AE5E-5BA0AE476227}" type="datetimeFigureOut">
               <a:rPr lang="en-US" smtClean="0"/>
-              <a:t>2/4/2022</a:t>
+              <a:t>2/6/2022</a:t>
             </a:fld>
             <a:endParaRPr lang="en-US"/>
           </a:p>
@@ -2073,7 +2078,7 @@
           <a:p>
             <a:fld id="{454338D7-F725-4020-AE5E-5BA0AE476227}" type="datetimeFigureOut">
               <a:rPr lang="en-US" smtClean="0"/>
-              <a:t>2/4/2022</a:t>
+              <a:t>2/6/2022</a:t>
             </a:fld>
             <a:endParaRPr lang="en-US"/>
           </a:p>
@@ -2384,7 +2389,7 @@
           <a:p>
             <a:fld id="{454338D7-F725-4020-AE5E-5BA0AE476227}" type="datetimeFigureOut">
               <a:rPr lang="en-US" smtClean="0"/>
-              <a:t>2/4/2022</a:t>
+              <a:t>2/6/2022</a:t>
             </a:fld>
             <a:endParaRPr lang="en-US"/>
           </a:p>
@@ -2672,7 +2677,7 @@
           <a:p>
             <a:fld id="{454338D7-F725-4020-AE5E-5BA0AE476227}" type="datetimeFigureOut">
               <a:rPr lang="en-US" smtClean="0"/>
-              <a:t>2/4/2022</a:t>
+              <a:t>2/6/2022</a:t>
             </a:fld>
             <a:endParaRPr lang="en-US"/>
           </a:p>
@@ -2913,7 +2918,7 @@
           <a:p>
             <a:fld id="{454338D7-F725-4020-AE5E-5BA0AE476227}" type="datetimeFigureOut">
               <a:rPr lang="en-US" smtClean="0"/>
-              <a:t>2/4/2022</a:t>
+              <a:t>2/6/2022</a:t>
             </a:fld>
             <a:endParaRPr lang="en-US"/>
           </a:p>
@@ -3499,7 +3504,7 @@
           <a:p>
             <a:r>
               <a:rPr lang="en-US" dirty="0"/>
-              <a:t>Consider other thresholding approaches – soft NMS</a:t>
+              <a:t>Consider other thresholding approaches – soft NMS (decay instead of removal those regions that overlap with M)</a:t>
             </a:r>
           </a:p>
           <a:p>
@@ -3537,7 +3542,7 @@
         </p:blipFill>
         <p:spPr bwMode="auto">
           <a:xfrm>
-            <a:off x="1245528" y="4672185"/>
+            <a:off x="1245528" y="4934578"/>
             <a:ext cx="1639715" cy="1639715"/>
           </a:xfrm>
           <a:prstGeom prst="rect">
@@ -3578,7 +3583,7 @@
         </p:blipFill>
         <p:spPr bwMode="auto">
           <a:xfrm>
-            <a:off x="3292571" y="4621508"/>
+            <a:off x="3292571" y="4934578"/>
             <a:ext cx="1741067" cy="1741067"/>
           </a:xfrm>
           <a:prstGeom prst="rect">
@@ -4528,7 +4533,7 @@
           <a:p>
             <a:r>
               <a:rPr lang="en-US" dirty="0"/>
-              <a:t>Use non max suppression – calculate IOU (overlap) with every other proposal and if greater than threshold, remove proposal </a:t>
+              <a:t>Use non max suppression – candidate region M is selected and those with overlap &gt;= than predetermined threshold with M are removed</a:t>
             </a:r>
           </a:p>
           <a:p>

--- a/SVHN.pptx
+++ b/SVHN.pptx
@@ -11,10 +11,13 @@
     <p:sldId id="259" r:id="rId5"/>
     <p:sldId id="261" r:id="rId6"/>
     <p:sldId id="260" r:id="rId7"/>
-    <p:sldId id="262" r:id="rId8"/>
-    <p:sldId id="263" r:id="rId9"/>
-    <p:sldId id="265" r:id="rId10"/>
-    <p:sldId id="264" r:id="rId11"/>
+    <p:sldId id="266" r:id="rId8"/>
+    <p:sldId id="267" r:id="rId9"/>
+    <p:sldId id="262" r:id="rId10"/>
+    <p:sldId id="263" r:id="rId11"/>
+    <p:sldId id="265" r:id="rId12"/>
+    <p:sldId id="264" r:id="rId13"/>
+    <p:sldId id="268" r:id="rId14"/>
   </p:sldIdLst>
   <p:sldSz cx="12192000" cy="6858000"/>
   <p:notesSz cx="6858000" cy="9144000"/>
@@ -268,7 +271,7 @@
           <a:p>
             <a:fld id="{454338D7-F725-4020-AE5E-5BA0AE476227}" type="datetimeFigureOut">
               <a:rPr lang="en-US" smtClean="0"/>
-              <a:t>2/6/2022</a:t>
+              <a:t>2/7/2022</a:t>
             </a:fld>
             <a:endParaRPr lang="en-US"/>
           </a:p>
@@ -466,7 +469,7 @@
           <a:p>
             <a:fld id="{454338D7-F725-4020-AE5E-5BA0AE476227}" type="datetimeFigureOut">
               <a:rPr lang="en-US" smtClean="0"/>
-              <a:t>2/6/2022</a:t>
+              <a:t>2/7/2022</a:t>
             </a:fld>
             <a:endParaRPr lang="en-US"/>
           </a:p>
@@ -674,7 +677,7 @@
           <a:p>
             <a:fld id="{454338D7-F725-4020-AE5E-5BA0AE476227}" type="datetimeFigureOut">
               <a:rPr lang="en-US" smtClean="0"/>
-              <a:t>2/6/2022</a:t>
+              <a:t>2/7/2022</a:t>
             </a:fld>
             <a:endParaRPr lang="en-US"/>
           </a:p>
@@ -872,7 +875,7 @@
           <a:p>
             <a:fld id="{454338D7-F725-4020-AE5E-5BA0AE476227}" type="datetimeFigureOut">
               <a:rPr lang="en-US" smtClean="0"/>
-              <a:t>2/6/2022</a:t>
+              <a:t>2/7/2022</a:t>
             </a:fld>
             <a:endParaRPr lang="en-US"/>
           </a:p>
@@ -1147,7 +1150,7 @@
           <a:p>
             <a:fld id="{454338D7-F725-4020-AE5E-5BA0AE476227}" type="datetimeFigureOut">
               <a:rPr lang="en-US" smtClean="0"/>
-              <a:t>2/6/2022</a:t>
+              <a:t>2/7/2022</a:t>
             </a:fld>
             <a:endParaRPr lang="en-US"/>
           </a:p>
@@ -1412,7 +1415,7 @@
           <a:p>
             <a:fld id="{454338D7-F725-4020-AE5E-5BA0AE476227}" type="datetimeFigureOut">
               <a:rPr lang="en-US" smtClean="0"/>
-              <a:t>2/6/2022</a:t>
+              <a:t>2/7/2022</a:t>
             </a:fld>
             <a:endParaRPr lang="en-US"/>
           </a:p>
@@ -1824,7 +1827,7 @@
           <a:p>
             <a:fld id="{454338D7-F725-4020-AE5E-5BA0AE476227}" type="datetimeFigureOut">
               <a:rPr lang="en-US" smtClean="0"/>
-              <a:t>2/6/2022</a:t>
+              <a:t>2/7/2022</a:t>
             </a:fld>
             <a:endParaRPr lang="en-US"/>
           </a:p>
@@ -1965,7 +1968,7 @@
           <a:p>
             <a:fld id="{454338D7-F725-4020-AE5E-5BA0AE476227}" type="datetimeFigureOut">
               <a:rPr lang="en-US" smtClean="0"/>
-              <a:t>2/6/2022</a:t>
+              <a:t>2/7/2022</a:t>
             </a:fld>
             <a:endParaRPr lang="en-US"/>
           </a:p>
@@ -2078,7 +2081,7 @@
           <a:p>
             <a:fld id="{454338D7-F725-4020-AE5E-5BA0AE476227}" type="datetimeFigureOut">
               <a:rPr lang="en-US" smtClean="0"/>
-              <a:t>2/6/2022</a:t>
+              <a:t>2/7/2022</a:t>
             </a:fld>
             <a:endParaRPr lang="en-US"/>
           </a:p>
@@ -2389,7 +2392,7 @@
           <a:p>
             <a:fld id="{454338D7-F725-4020-AE5E-5BA0AE476227}" type="datetimeFigureOut">
               <a:rPr lang="en-US" smtClean="0"/>
-              <a:t>2/6/2022</a:t>
+              <a:t>2/7/2022</a:t>
             </a:fld>
             <a:endParaRPr lang="en-US"/>
           </a:p>
@@ -2677,7 +2680,7 @@
           <a:p>
             <a:fld id="{454338D7-F725-4020-AE5E-5BA0AE476227}" type="datetimeFigureOut">
               <a:rPr lang="en-US" smtClean="0"/>
-              <a:t>2/6/2022</a:t>
+              <a:t>2/7/2022</a:t>
             </a:fld>
             <a:endParaRPr lang="en-US"/>
           </a:p>
@@ -2918,7 +2921,7 @@
           <a:p>
             <a:fld id="{454338D7-F725-4020-AE5E-5BA0AE476227}" type="datetimeFigureOut">
               <a:rPr lang="en-US" smtClean="0"/>
-              <a:t>2/6/2022</a:t>
+              <a:t>2/7/2022</a:t>
             </a:fld>
             <a:endParaRPr lang="en-US"/>
           </a:p>
@@ -3432,6 +3435,360 @@
           <p:cNvPr id="2" name="Title 1">
             <a:extLst>
               <a:ext uri="{FF2B5EF4-FFF2-40B4-BE49-F238E27FC236}">
+                <a16:creationId xmlns:a16="http://schemas.microsoft.com/office/drawing/2014/main" id="{0705A4E6-E92C-4364-B2E1-3A1A5EEB25E7}"/>
+              </a:ext>
+            </a:extLst>
+          </p:cNvPr>
+          <p:cNvSpPr>
+            <a:spLocks noGrp="1"/>
+          </p:cNvSpPr>
+          <p:nvPr>
+            <p:ph type="title"/>
+          </p:nvPr>
+        </p:nvSpPr>
+        <p:spPr/>
+        <p:txBody>
+          <a:bodyPr/>
+          <a:lstStyle/>
+          <a:p>
+            <a:r>
+              <a:rPr lang="en-US" dirty="0"/>
+              <a:t>Training cont.</a:t>
+            </a:r>
+          </a:p>
+        </p:txBody>
+      </p:sp>
+      <p:sp>
+        <p:nvSpPr>
+          <p:cNvPr id="3" name="Content Placeholder 2">
+            <a:extLst>
+              <a:ext uri="{FF2B5EF4-FFF2-40B4-BE49-F238E27FC236}">
+                <a16:creationId xmlns:a16="http://schemas.microsoft.com/office/drawing/2014/main" id="{CCFFB33C-B7EC-4E61-8C07-64B5405ADF92}"/>
+              </a:ext>
+            </a:extLst>
+          </p:cNvPr>
+          <p:cNvSpPr>
+            <a:spLocks noGrp="1"/>
+          </p:cNvSpPr>
+          <p:nvPr>
+            <p:ph idx="1"/>
+          </p:nvPr>
+        </p:nvSpPr>
+        <p:spPr/>
+        <p:txBody>
+          <a:bodyPr/>
+          <a:lstStyle/>
+          <a:p>
+            <a:r>
+              <a:rPr lang="en-US" dirty="0"/>
+              <a:t>Batch size = 200</a:t>
+            </a:r>
+          </a:p>
+          <a:p>
+            <a:pPr lvl="1"/>
+            <a:r>
+              <a:rPr lang="en-US" dirty="0"/>
+              <a:t>Smaller sizes -&gt; inaccurate results</a:t>
+            </a:r>
+          </a:p>
+          <a:p>
+            <a:r>
+              <a:rPr lang="en-US" dirty="0"/>
+              <a:t>Training results</a:t>
+            </a:r>
+          </a:p>
+          <a:p>
+            <a:pPr lvl="1"/>
+            <a:r>
+              <a:rPr lang="en-US" dirty="0"/>
+              <a:t>Classifier accuracy – 0.9505</a:t>
+            </a:r>
+          </a:p>
+          <a:p>
+            <a:pPr lvl="1"/>
+            <a:r>
+              <a:rPr lang="en-US" dirty="0"/>
+              <a:t>Recognizer accuracy – 0.9396</a:t>
+            </a:r>
+          </a:p>
+          <a:p>
+            <a:pPr lvl="1"/>
+            <a:r>
+              <a:rPr lang="en-US" dirty="0"/>
+              <a:t>Negative labels outnumbered positive – important to consider other metrics like confusion matrix and F1 score</a:t>
+            </a:r>
+          </a:p>
+          <a:p>
+            <a:pPr lvl="2"/>
+            <a:r>
+              <a:rPr lang="en-US" dirty="0"/>
+              <a:t>Classifier F1 score – 0.95</a:t>
+            </a:r>
+          </a:p>
+        </p:txBody>
+      </p:sp>
+    </p:spTree>
+    <p:extLst>
+      <p:ext uri="{BB962C8B-B14F-4D97-AF65-F5344CB8AC3E}">
+        <p14:creationId xmlns:p14="http://schemas.microsoft.com/office/powerpoint/2010/main" val="2609939424"/>
+      </p:ext>
+    </p:extLst>
+  </p:cSld>
+  <p:clrMapOvr>
+    <a:masterClrMapping/>
+  </p:clrMapOvr>
+</p:sld>
+</file>
+
+<file path=ppt/slides/slide11.xml><?xml version="1.0" encoding="utf-8"?>
+<p:sld xmlns:a="http://schemas.openxmlformats.org/drawingml/2006/main" xmlns:r="http://schemas.openxmlformats.org/officeDocument/2006/relationships" xmlns:p="http://schemas.openxmlformats.org/presentationml/2006/main">
+  <p:cSld>
+    <p:spTree>
+      <p:nvGrpSpPr>
+        <p:cNvPr id="1" name=""/>
+        <p:cNvGrpSpPr/>
+        <p:nvPr/>
+      </p:nvGrpSpPr>
+      <p:grpSpPr>
+        <a:xfrm>
+          <a:off x="0" y="0"/>
+          <a:ext cx="0" cy="0"/>
+          <a:chOff x="0" y="0"/>
+          <a:chExt cx="0" cy="0"/>
+        </a:xfrm>
+      </p:grpSpPr>
+      <p:sp>
+        <p:nvSpPr>
+          <p:cNvPr id="2" name="Title 1">
+            <a:extLst>
+              <a:ext uri="{FF2B5EF4-FFF2-40B4-BE49-F238E27FC236}">
+                <a16:creationId xmlns:a16="http://schemas.microsoft.com/office/drawing/2014/main" id="{4BDF22D6-D278-4268-9D69-B9E5C6BEBD9E}"/>
+              </a:ext>
+            </a:extLst>
+          </p:cNvPr>
+          <p:cNvSpPr>
+            <a:spLocks noGrp="1"/>
+          </p:cNvSpPr>
+          <p:nvPr>
+            <p:ph type="title"/>
+          </p:nvPr>
+        </p:nvSpPr>
+        <p:spPr/>
+        <p:txBody>
+          <a:bodyPr/>
+          <a:lstStyle/>
+          <a:p>
+            <a:r>
+              <a:rPr lang="en-US" dirty="0"/>
+              <a:t>Final performance</a:t>
+            </a:r>
+          </a:p>
+        </p:txBody>
+      </p:sp>
+      <p:sp>
+        <p:nvSpPr>
+          <p:cNvPr id="3" name="Content Placeholder 2">
+            <a:extLst>
+              <a:ext uri="{FF2B5EF4-FFF2-40B4-BE49-F238E27FC236}">
+                <a16:creationId xmlns:a16="http://schemas.microsoft.com/office/drawing/2014/main" id="{BC7C52C9-C80D-4F94-BA92-66F95F6FD784}"/>
+              </a:ext>
+            </a:extLst>
+          </p:cNvPr>
+          <p:cNvSpPr>
+            <a:spLocks noGrp="1"/>
+          </p:cNvSpPr>
+          <p:nvPr>
+            <p:ph idx="1"/>
+          </p:nvPr>
+        </p:nvSpPr>
+        <p:spPr/>
+        <p:txBody>
+          <a:bodyPr/>
+          <a:lstStyle/>
+          <a:p>
+            <a:r>
+              <a:rPr lang="en-US" dirty="0"/>
+              <a:t>Previously unseen real life images</a:t>
+            </a:r>
+          </a:p>
+          <a:p>
+            <a:r>
+              <a:rPr lang="en-US" dirty="0"/>
+              <a:t>Respectable performance, but very dependent on how thresholding is handled and image is preprocessed</a:t>
+            </a:r>
+          </a:p>
+          <a:p>
+            <a:r>
+              <a:rPr lang="en-US" dirty="0"/>
+              <a:t>Use non max suppression – candidate region M is selected and those with overlap &gt;= than predetermined threshold with M are removed</a:t>
+            </a:r>
+          </a:p>
+          <a:p>
+            <a:endParaRPr lang="en-US" dirty="0"/>
+          </a:p>
+          <a:p>
+            <a:endParaRPr lang="en-US" dirty="0"/>
+          </a:p>
+        </p:txBody>
+      </p:sp>
+      <p:pic>
+        <p:nvPicPr>
+          <p:cNvPr id="4" name="Picture 3">
+            <a:extLst>
+              <a:ext uri="{FF2B5EF4-FFF2-40B4-BE49-F238E27FC236}">
+                <a16:creationId xmlns:a16="http://schemas.microsoft.com/office/drawing/2014/main" id="{C672BF2A-A323-4ED5-9581-CC7D1F9EF747}"/>
+              </a:ext>
+            </a:extLst>
+          </p:cNvPr>
+          <p:cNvPicPr>
+            <a:picLocks noChangeAspect="1"/>
+          </p:cNvPicPr>
+          <p:nvPr/>
+        </p:nvPicPr>
+        <p:blipFill>
+          <a:blip r:embed="rId2">
+            <a:extLst>
+              <a:ext uri="{28A0092B-C50C-407E-A947-70E740481C1C}">
+                <a14:useLocalDpi xmlns:a14="http://schemas.microsoft.com/office/drawing/2010/main" val="0"/>
+              </a:ext>
+            </a:extLst>
+          </a:blip>
+          <a:srcRect/>
+          <a:stretch>
+            <a:fillRect/>
+          </a:stretch>
+        </p:blipFill>
+        <p:spPr bwMode="auto">
+          <a:xfrm>
+            <a:off x="678374" y="4375030"/>
+            <a:ext cx="2526465" cy="2117845"/>
+          </a:xfrm>
+          <a:prstGeom prst="rect">
+            <a:avLst/>
+          </a:prstGeom>
+          <a:noFill/>
+          <a:ln>
+            <a:noFill/>
+          </a:ln>
+        </p:spPr>
+      </p:pic>
+      <p:pic>
+        <p:nvPicPr>
+          <p:cNvPr id="5" name="Picture 4">
+            <a:extLst>
+              <a:ext uri="{FF2B5EF4-FFF2-40B4-BE49-F238E27FC236}">
+                <a16:creationId xmlns:a16="http://schemas.microsoft.com/office/drawing/2014/main" id="{874FF16D-DA3C-4E4A-9732-13AE75B715B3}"/>
+              </a:ext>
+            </a:extLst>
+          </p:cNvPr>
+          <p:cNvPicPr>
+            <a:picLocks noChangeAspect="1"/>
+          </p:cNvPicPr>
+          <p:nvPr/>
+        </p:nvPicPr>
+        <p:blipFill>
+          <a:blip r:embed="rId3">
+            <a:extLst>
+              <a:ext uri="{28A0092B-C50C-407E-A947-70E740481C1C}">
+                <a14:useLocalDpi xmlns:a14="http://schemas.microsoft.com/office/drawing/2010/main" val="0"/>
+              </a:ext>
+            </a:extLst>
+          </a:blip>
+          <a:srcRect/>
+          <a:stretch>
+            <a:fillRect/>
+          </a:stretch>
+        </p:blipFill>
+        <p:spPr bwMode="auto">
+          <a:xfrm>
+            <a:off x="3593482" y="4422404"/>
+            <a:ext cx="2070471" cy="2070471"/>
+          </a:xfrm>
+          <a:prstGeom prst="rect">
+            <a:avLst/>
+          </a:prstGeom>
+          <a:noFill/>
+          <a:ln>
+            <a:noFill/>
+          </a:ln>
+        </p:spPr>
+      </p:pic>
+      <p:pic>
+        <p:nvPicPr>
+          <p:cNvPr id="6" name="Picture 5">
+            <a:extLst>
+              <a:ext uri="{FF2B5EF4-FFF2-40B4-BE49-F238E27FC236}">
+                <a16:creationId xmlns:a16="http://schemas.microsoft.com/office/drawing/2014/main" id="{11DF9E3D-6B69-4588-B463-CFD7A981A990}"/>
+              </a:ext>
+            </a:extLst>
+          </p:cNvPr>
+          <p:cNvPicPr>
+            <a:picLocks noChangeAspect="1"/>
+          </p:cNvPicPr>
+          <p:nvPr/>
+        </p:nvPicPr>
+        <p:blipFill>
+          <a:blip r:embed="rId4">
+            <a:extLst>
+              <a:ext uri="{28A0092B-C50C-407E-A947-70E740481C1C}">
+                <a14:useLocalDpi xmlns:a14="http://schemas.microsoft.com/office/drawing/2010/main" val="0"/>
+              </a:ext>
+            </a:extLst>
+          </a:blip>
+          <a:srcRect/>
+          <a:stretch>
+            <a:fillRect/>
+          </a:stretch>
+        </p:blipFill>
+        <p:spPr bwMode="auto">
+          <a:xfrm>
+            <a:off x="6559028" y="4375030"/>
+            <a:ext cx="2428135" cy="2428135"/>
+          </a:xfrm>
+          <a:prstGeom prst="rect">
+            <a:avLst/>
+          </a:prstGeom>
+          <a:noFill/>
+          <a:ln>
+            <a:noFill/>
+          </a:ln>
+        </p:spPr>
+      </p:pic>
+    </p:spTree>
+    <p:extLst>
+      <p:ext uri="{BB962C8B-B14F-4D97-AF65-F5344CB8AC3E}">
+        <p14:creationId xmlns:p14="http://schemas.microsoft.com/office/powerpoint/2010/main" val="1220865458"/>
+      </p:ext>
+    </p:extLst>
+  </p:cSld>
+  <p:clrMapOvr>
+    <a:masterClrMapping/>
+  </p:clrMapOvr>
+</p:sld>
+</file>
+
+<file path=ppt/slides/slide12.xml><?xml version="1.0" encoding="utf-8"?>
+<p:sld xmlns:a="http://schemas.openxmlformats.org/drawingml/2006/main" xmlns:r="http://schemas.openxmlformats.org/officeDocument/2006/relationships" xmlns:p="http://schemas.openxmlformats.org/presentationml/2006/main">
+  <p:cSld>
+    <p:spTree>
+      <p:nvGrpSpPr>
+        <p:cNvPr id="1" name=""/>
+        <p:cNvGrpSpPr/>
+        <p:nvPr/>
+      </p:nvGrpSpPr>
+      <p:grpSpPr>
+        <a:xfrm>
+          <a:off x="0" y="0"/>
+          <a:ext cx="0" cy="0"/>
+          <a:chOff x="0" y="0"/>
+          <a:chExt cx="0" cy="0"/>
+        </a:xfrm>
+      </p:grpSpPr>
+      <p:sp>
+        <p:nvSpPr>
+          <p:cNvPr id="2" name="Title 1">
+            <a:extLst>
+              <a:ext uri="{FF2B5EF4-FFF2-40B4-BE49-F238E27FC236}">
                 <a16:creationId xmlns:a16="http://schemas.microsoft.com/office/drawing/2014/main" id="{9699C5D0-A198-4744-8BDA-903786728C6A}"/>
               </a:ext>
             </a:extLst>
@@ -3608,6 +3965,134 @@
 </p:sld>
 </file>
 
+<file path=ppt/slides/slide13.xml><?xml version="1.0" encoding="utf-8"?>
+<p:sld xmlns:a="http://schemas.openxmlformats.org/drawingml/2006/main" xmlns:r="http://schemas.openxmlformats.org/officeDocument/2006/relationships" xmlns:p="http://schemas.openxmlformats.org/presentationml/2006/main">
+  <p:cSld>
+    <p:spTree>
+      <p:nvGrpSpPr>
+        <p:cNvPr id="1" name=""/>
+        <p:cNvGrpSpPr/>
+        <p:nvPr/>
+      </p:nvGrpSpPr>
+      <p:grpSpPr>
+        <a:xfrm>
+          <a:off x="0" y="0"/>
+          <a:ext cx="0" cy="0"/>
+          <a:chOff x="0" y="0"/>
+          <a:chExt cx="0" cy="0"/>
+        </a:xfrm>
+      </p:grpSpPr>
+      <p:sp>
+        <p:nvSpPr>
+          <p:cNvPr id="2" name="Title 1">
+            <a:extLst>
+              <a:ext uri="{FF2B5EF4-FFF2-40B4-BE49-F238E27FC236}">
+                <a16:creationId xmlns:a16="http://schemas.microsoft.com/office/drawing/2014/main" id="{B1C1CB79-B475-4105-BFD0-1EB01A4F9B8A}"/>
+              </a:ext>
+            </a:extLst>
+          </p:cNvPr>
+          <p:cNvSpPr>
+            <a:spLocks noGrp="1"/>
+          </p:cNvSpPr>
+          <p:nvPr>
+            <p:ph type="title"/>
+          </p:nvPr>
+        </p:nvSpPr>
+        <p:spPr/>
+        <p:txBody>
+          <a:bodyPr/>
+          <a:lstStyle/>
+          <a:p>
+            <a:r>
+              <a:rPr lang="en-US" dirty="0"/>
+              <a:t>Further considerations</a:t>
+            </a:r>
+          </a:p>
+        </p:txBody>
+      </p:sp>
+      <p:sp>
+        <p:nvSpPr>
+          <p:cNvPr id="3" name="Content Placeholder 2">
+            <a:extLst>
+              <a:ext uri="{FF2B5EF4-FFF2-40B4-BE49-F238E27FC236}">
+                <a16:creationId xmlns:a16="http://schemas.microsoft.com/office/drawing/2014/main" id="{1EB67DFA-4B96-4655-97AD-F334E64C8B2C}"/>
+              </a:ext>
+            </a:extLst>
+          </p:cNvPr>
+          <p:cNvSpPr>
+            <a:spLocks noGrp="1"/>
+          </p:cNvSpPr>
+          <p:nvPr>
+            <p:ph idx="1"/>
+          </p:nvPr>
+        </p:nvSpPr>
+        <p:spPr/>
+        <p:txBody>
+          <a:bodyPr/>
+          <a:lstStyle/>
+          <a:p>
+            <a:r>
+              <a:rPr lang="en-US" dirty="0"/>
+              <a:t>Combined approach with better efficiency might be considered</a:t>
+            </a:r>
+          </a:p>
+          <a:p>
+            <a:pPr lvl="1"/>
+            <a:r>
+              <a:rPr lang="en-US" dirty="0"/>
+              <a:t>YOLO, Region-based CNN</a:t>
+            </a:r>
+          </a:p>
+          <a:p>
+            <a:pPr lvl="1"/>
+            <a:r>
+              <a:rPr lang="en-US" dirty="0"/>
+              <a:t>These models combine localization and detection</a:t>
+            </a:r>
+          </a:p>
+          <a:p>
+            <a:r>
+              <a:rPr lang="en-US" dirty="0"/>
+              <a:t>Localization network instead of MSER (picks up every blob and difficult to be correct when don’t have ground truths)</a:t>
+            </a:r>
+          </a:p>
+          <a:p>
+            <a:pPr lvl="1"/>
+            <a:r>
+              <a:rPr lang="en-US" dirty="0"/>
+              <a:t>Use CNN as feature extractor and Fully Connected regressor for localization coordinates</a:t>
+            </a:r>
+          </a:p>
+          <a:p>
+            <a:pPr lvl="1"/>
+            <a:r>
+              <a:rPr lang="en-US" dirty="0"/>
+              <a:t>Multiple digits per image makes this </a:t>
+            </a:r>
+            <a:r>
+              <a:rPr lang="en-US"/>
+              <a:t>approach difficult</a:t>
+            </a:r>
+          </a:p>
+          <a:p>
+            <a:pPr lvl="1"/>
+            <a:endParaRPr lang="en-US" dirty="0"/>
+          </a:p>
+        </p:txBody>
+      </p:sp>
+    </p:spTree>
+    <p:extLst>
+      <p:ext uri="{BB962C8B-B14F-4D97-AF65-F5344CB8AC3E}">
+        <p14:creationId xmlns:p14="http://schemas.microsoft.com/office/powerpoint/2010/main" val="1293112303"/>
+      </p:ext>
+    </p:extLst>
+  </p:cSld>
+  <p:clrMapOvr>
+    <a:masterClrMapping/>
+  </p:clrMapOvr>
+</p:sld>
+</file>
+
 <file path=ppt/slides/slide2.xml><?xml version="1.0" encoding="utf-8"?>
 <p:sld xmlns:a="http://schemas.openxmlformats.org/drawingml/2006/main" xmlns:r="http://schemas.openxmlformats.org/officeDocument/2006/relationships" xmlns:p="http://schemas.openxmlformats.org/presentationml/2006/main">
   <p:cSld>
@@ -3782,7 +4267,7 @@
             </a:r>
             <a:r>
               <a:rPr lang="en-US" dirty="0"/>
-              <a:t>, required) and resize to 32x32</a:t>
+              <a:t>) and resize to 32x32</a:t>
             </a:r>
           </a:p>
           <a:p>
@@ -3821,7 +4306,7 @@
           <a:p>
             <a:r>
               <a:rPr lang="en-US" dirty="0"/>
-              <a:t>Training set – grayscale and subtract per pixel mean to normalize</a:t>
+              <a:t>Training set – grayscale and subtract per pixel mean to normalize (good practice to maintain stable gradients)</a:t>
             </a:r>
           </a:p>
           <a:p>
@@ -3944,6 +4429,28 @@
             </a:r>
           </a:p>
           <a:p>
+            <a:r>
+              <a:rPr lang="en-US" dirty="0"/>
+              <a:t>Why classifier?</a:t>
+            </a:r>
+          </a:p>
+          <a:p>
+            <a:pPr lvl="1"/>
+            <a:r>
+              <a:rPr lang="en-US" dirty="0"/>
+              <a:t>Could combine classification and recognition</a:t>
+            </a:r>
+          </a:p>
+          <a:p>
+            <a:pPr lvl="1"/>
+            <a:r>
+              <a:rPr lang="en-US" dirty="0"/>
+              <a:t>Separate classifier model gave more reliable performance to detecting presence of digits – better performance at not much </a:t>
+            </a:r>
+            <a:r>
+              <a:rPr lang="en-US"/>
+              <a:t>worse speeds</a:t>
+            </a:r>
             <a:endParaRPr lang="en-US" dirty="0"/>
           </a:p>
         </p:txBody>
@@ -4180,6 +4687,9 @@
               <a:t>Output FC layer has 10 outputs for digits</a:t>
             </a:r>
           </a:p>
+          <a:p>
+            <a:endParaRPr lang="en-US" dirty="0"/>
+          </a:p>
         </p:txBody>
       </p:sp>
     </p:spTree>
@@ -4217,7 +4727,7 @@
           <p:cNvPr id="2" name="Title 1">
             <a:extLst>
               <a:ext uri="{FF2B5EF4-FFF2-40B4-BE49-F238E27FC236}">
-                <a16:creationId xmlns:a16="http://schemas.microsoft.com/office/drawing/2014/main" id="{6C1D531A-29A7-4C0E-B4EC-4563F9ACF327}"/>
+                <a16:creationId xmlns:a16="http://schemas.microsoft.com/office/drawing/2014/main" id="{52756707-07A6-4598-B147-D635B013EEC8}"/>
               </a:ext>
             </a:extLst>
           </p:cNvPr>
@@ -4235,7 +4745,7 @@
           <a:p>
             <a:r>
               <a:rPr lang="en-US" dirty="0"/>
-              <a:t>Training</a:t>
+              <a:t>Pretrained VGG16 model</a:t>
             </a:r>
           </a:p>
         </p:txBody>
@@ -4245,7 +4755,7 @@
           <p:cNvPr id="3" name="Content Placeholder 2">
             <a:extLst>
               <a:ext uri="{FF2B5EF4-FFF2-40B4-BE49-F238E27FC236}">
-                <a16:creationId xmlns:a16="http://schemas.microsoft.com/office/drawing/2014/main" id="{0EEF7E67-372D-4342-ACCF-1C30BA85259C}"/>
+                <a16:creationId xmlns:a16="http://schemas.microsoft.com/office/drawing/2014/main" id="{D173C0B2-4E02-46E7-ADAA-44795A06752D}"/>
               </a:ext>
             </a:extLst>
           </p:cNvPr>
@@ -4263,60 +4773,115 @@
           <a:p>
             <a:r>
               <a:rPr lang="en-US" dirty="0"/>
-              <a:t>10 epochs for recognizer and 5 epochs for classifier – computational limits</a:t>
-            </a:r>
-          </a:p>
-          <a:p>
-            <a:r>
-              <a:rPr lang="en-US" dirty="0"/>
-              <a:t>Used ADAM optimizer for classifier – SGD optimizer that uses first and second order moments (mean and variance respectively)</a:t>
+              <a:t>Using </a:t>
+            </a:r>
+            <a:r>
+              <a:rPr lang="en-US" dirty="0" err="1"/>
+              <a:t>keras</a:t>
+            </a:r>
+            <a:r>
+              <a:rPr lang="en-US" dirty="0"/>
+              <a:t> implementation with </a:t>
+            </a:r>
+            <a:r>
+              <a:rPr lang="en-US" dirty="0" err="1"/>
+              <a:t>imagenet</a:t>
+            </a:r>
+            <a:r>
+              <a:rPr lang="en-US" dirty="0"/>
+              <a:t> weights</a:t>
+            </a:r>
+          </a:p>
+          <a:p>
+            <a:r>
+              <a:rPr lang="en-US" dirty="0"/>
+              <a:t>Different approach (required)</a:t>
             </a:r>
           </a:p>
           <a:p>
             <a:pPr lvl="1"/>
             <a:r>
               <a:rPr lang="en-US" dirty="0"/>
-              <a:t>Mainly used for better performance and because it is widely used in industry</a:t>
+              <a:t>Combined classifier and recognizer (11 outputs, extra for no digit)</a:t>
             </a:r>
           </a:p>
           <a:p>
             <a:pPr lvl="1"/>
             <a:r>
               <a:rPr lang="en-US" dirty="0"/>
-              <a:t>Lr = 0.001</a:t>
-            </a:r>
-          </a:p>
-          <a:p>
-            <a:r>
-              <a:rPr lang="en-US" dirty="0"/>
-              <a:t>Used SGD for recognizer – ADAM didn’t generalize well</a:t>
+              <a:t>Use color ROI (32x32x3)</a:t>
             </a:r>
           </a:p>
           <a:p>
             <a:pPr lvl="1"/>
             <a:r>
               <a:rPr lang="en-US" dirty="0"/>
-              <a:t>SGD typically generalizes better – much better performance than ADAM and </a:t>
-            </a:r>
-            <a:r>
-              <a:rPr lang="en-US" dirty="0" err="1"/>
-              <a:t>AdaDelta</a:t>
-            </a:r>
+              <a:t>Long time to train and slightly worse performance</a:t>
+            </a:r>
+          </a:p>
+          <a:p>
+            <a:pPr lvl="2"/>
+            <a:r>
+              <a:rPr lang="en-US" dirty="0"/>
+              <a:t>Validation accuracy = 0.9320, F1 = 0.92</a:t>
+            </a:r>
+          </a:p>
+          <a:p>
             <a:endParaRPr lang="en-US" dirty="0"/>
           </a:p>
-          <a:p>
-            <a:pPr lvl="1"/>
-            <a:r>
-              <a:rPr lang="en-US" dirty="0"/>
-              <a:t>Lr = 0.01</a:t>
-            </a:r>
-          </a:p>
-        </p:txBody>
-      </p:sp>
+        </p:txBody>
+      </p:sp>
+      <p:pic>
+        <p:nvPicPr>
+          <p:cNvPr id="1028" name="Picture 4" descr="vgg16">
+            <a:extLst>
+              <a:ext uri="{FF2B5EF4-FFF2-40B4-BE49-F238E27FC236}">
+                <a16:creationId xmlns:a16="http://schemas.microsoft.com/office/drawing/2014/main" id="{498E9B90-0BC1-4A77-802D-A071E6C287B9}"/>
+              </a:ext>
+            </a:extLst>
+          </p:cNvPr>
+          <p:cNvPicPr>
+            <a:picLocks noChangeAspect="1" noChangeArrowheads="1"/>
+          </p:cNvPicPr>
+          <p:nvPr/>
+        </p:nvPicPr>
+        <p:blipFill>
+          <a:blip r:embed="rId2">
+            <a:extLst>
+              <a:ext uri="{28A0092B-C50C-407E-A947-70E740481C1C}">
+                <a14:useLocalDpi xmlns:a14="http://schemas.microsoft.com/office/drawing/2010/main" val="0"/>
+              </a:ext>
+            </a:extLst>
+          </a:blip>
+          <a:srcRect/>
+          <a:stretch>
+            <a:fillRect/>
+          </a:stretch>
+        </p:blipFill>
+        <p:spPr bwMode="auto">
+          <a:xfrm>
+            <a:off x="6697980" y="4106444"/>
+            <a:ext cx="4598670" cy="2590584"/>
+          </a:xfrm>
+          <a:prstGeom prst="rect">
+            <a:avLst/>
+          </a:prstGeom>
+          <a:noFill/>
+          <a:extLst>
+            <a:ext uri="{909E8E84-426E-40DD-AFC4-6F175D3DCCD1}">
+              <a14:hiddenFill xmlns:a14="http://schemas.microsoft.com/office/drawing/2010/main">
+                <a:solidFill>
+                  <a:srgbClr val="FFFFFF"/>
+                </a:solidFill>
+              </a14:hiddenFill>
+            </a:ext>
+          </a:extLst>
+        </p:spPr>
+      </p:pic>
     </p:spTree>
     <p:extLst>
       <p:ext uri="{BB962C8B-B14F-4D97-AF65-F5344CB8AC3E}">
-        <p14:creationId xmlns:p14="http://schemas.microsoft.com/office/powerpoint/2010/main" val="2209292294"/>
+        <p14:creationId xmlns:p14="http://schemas.microsoft.com/office/powerpoint/2010/main" val="2703347874"/>
       </p:ext>
     </p:extLst>
   </p:cSld>
@@ -4348,7 +4913,7 @@
           <p:cNvPr id="2" name="Title 1">
             <a:extLst>
               <a:ext uri="{FF2B5EF4-FFF2-40B4-BE49-F238E27FC236}">
-                <a16:creationId xmlns:a16="http://schemas.microsoft.com/office/drawing/2014/main" id="{0705A4E6-E92C-4364-B2E1-3A1A5EEB25E7}"/>
+                <a16:creationId xmlns:a16="http://schemas.microsoft.com/office/drawing/2014/main" id="{44A549F9-2A7F-4E33-8ECB-67B0C52BA7E9}"/>
               </a:ext>
             </a:extLst>
           </p:cNvPr>
@@ -4366,7 +4931,7 @@
           <a:p>
             <a:r>
               <a:rPr lang="en-US" dirty="0"/>
-              <a:t>Training cont.</a:t>
+              <a:t>Model complexity</a:t>
             </a:r>
           </a:p>
         </p:txBody>
@@ -4376,7 +4941,7 @@
           <p:cNvPr id="3" name="Content Placeholder 2">
             <a:extLst>
               <a:ext uri="{FF2B5EF4-FFF2-40B4-BE49-F238E27FC236}">
-                <a16:creationId xmlns:a16="http://schemas.microsoft.com/office/drawing/2014/main" id="{CCFFB33C-B7EC-4E61-8C07-64B5405ADF92}"/>
+                <a16:creationId xmlns:a16="http://schemas.microsoft.com/office/drawing/2014/main" id="{FF55F608-6B68-4384-BBEA-0B66A70CAEBE}"/>
               </a:ext>
             </a:extLst>
           </p:cNvPr>
@@ -4394,48 +4959,20 @@
           <a:p>
             <a:r>
               <a:rPr lang="en-US" dirty="0"/>
-              <a:t>Batch size = 200</a:t>
+              <a:t>Custom models designed to resemble VGG16 (with lesser complexity)</a:t>
+            </a:r>
+          </a:p>
+          <a:p>
+            <a:r>
+              <a:rPr lang="en-US" dirty="0"/>
+              <a:t>Considered more complex models, but training time became longer with worse performance – likely overfitting to training data</a:t>
             </a:r>
           </a:p>
           <a:p>
             <a:pPr lvl="1"/>
             <a:r>
               <a:rPr lang="en-US" dirty="0"/>
-              <a:t>Smaller sizes -&gt; inaccurate results</a:t>
-            </a:r>
-          </a:p>
-          <a:p>
-            <a:r>
-              <a:rPr lang="en-US" dirty="0"/>
-              <a:t>Training results</a:t>
-            </a:r>
-          </a:p>
-          <a:p>
-            <a:pPr lvl="1"/>
-            <a:r>
-              <a:rPr lang="en-US" dirty="0"/>
-              <a:t>Classifier accuracy – 0.9505</a:t>
-            </a:r>
-          </a:p>
-          <a:p>
-            <a:pPr lvl="1"/>
-            <a:r>
-              <a:rPr lang="en-US" dirty="0"/>
-              <a:t>Recognizer accuracy – 0.9396</a:t>
-            </a:r>
-          </a:p>
-          <a:p>
-            <a:pPr lvl="1"/>
-            <a:r>
-              <a:rPr lang="en-US" dirty="0"/>
-              <a:t>Negative labels outnumbered positive – important to consider other metrics like confusion matrix and F1 score</a:t>
-            </a:r>
-          </a:p>
-          <a:p>
-            <a:pPr lvl="2"/>
-            <a:r>
-              <a:rPr lang="en-US" dirty="0"/>
-              <a:t>Classifier F1 score – 0.95</a:t>
+              <a:t>Efficiency was important since using two models, so elected to minimize model complexity instead of keeping more complex models</a:t>
             </a:r>
           </a:p>
         </p:txBody>
@@ -4443,7 +4980,7 @@
     </p:spTree>
     <p:extLst>
       <p:ext uri="{BB962C8B-B14F-4D97-AF65-F5344CB8AC3E}">
-        <p14:creationId xmlns:p14="http://schemas.microsoft.com/office/powerpoint/2010/main" val="2609939424"/>
+        <p14:creationId xmlns:p14="http://schemas.microsoft.com/office/powerpoint/2010/main" val="3496190356"/>
       </p:ext>
     </p:extLst>
   </p:cSld>
@@ -4475,7 +5012,7 @@
           <p:cNvPr id="2" name="Title 1">
             <a:extLst>
               <a:ext uri="{FF2B5EF4-FFF2-40B4-BE49-F238E27FC236}">
-                <a16:creationId xmlns:a16="http://schemas.microsoft.com/office/drawing/2014/main" id="{4BDF22D6-D278-4268-9D69-B9E5C6BEBD9E}"/>
+                <a16:creationId xmlns:a16="http://schemas.microsoft.com/office/drawing/2014/main" id="{6C1D531A-29A7-4C0E-B4EC-4563F9ACF327}"/>
               </a:ext>
             </a:extLst>
           </p:cNvPr>
@@ -4493,7 +5030,7 @@
           <a:p>
             <a:r>
               <a:rPr lang="en-US" dirty="0"/>
-              <a:t>Final performance</a:t>
+              <a:t>Training</a:t>
             </a:r>
           </a:p>
         </p:txBody>
@@ -4503,7 +5040,7 @@
           <p:cNvPr id="3" name="Content Placeholder 2">
             <a:extLst>
               <a:ext uri="{FF2B5EF4-FFF2-40B4-BE49-F238E27FC236}">
-                <a16:creationId xmlns:a16="http://schemas.microsoft.com/office/drawing/2014/main" id="{BC7C52C9-C80D-4F94-BA92-66F95F6FD784}"/>
+                <a16:creationId xmlns:a16="http://schemas.microsoft.com/office/drawing/2014/main" id="{0EEF7E67-372D-4342-ACCF-1C30BA85259C}"/>
               </a:ext>
             </a:extLst>
           </p:cNvPr>
@@ -4521,156 +5058,60 @@
           <a:p>
             <a:r>
               <a:rPr lang="en-US" dirty="0"/>
-              <a:t>Previously unseen real life images</a:t>
-            </a:r>
-          </a:p>
-          <a:p>
-            <a:r>
-              <a:rPr lang="en-US" dirty="0"/>
-              <a:t>Respectable performance, but very dependent on how thresholding is handled and image is preprocessed</a:t>
-            </a:r>
-          </a:p>
-          <a:p>
-            <a:r>
-              <a:rPr lang="en-US" dirty="0"/>
-              <a:t>Use non max suppression – candidate region M is selected and those with overlap &gt;= than predetermined threshold with M are removed</a:t>
-            </a:r>
-          </a:p>
-          <a:p>
+              <a:t>10 epochs for recognizer and 5 epochs for classifier – computational limits</a:t>
+            </a:r>
+          </a:p>
+          <a:p>
+            <a:r>
+              <a:rPr lang="en-US" dirty="0"/>
+              <a:t>Used ADAM optimizer for classifier – SGD optimizer that uses first and second order moments (mean and variance respectively)</a:t>
+            </a:r>
+          </a:p>
+          <a:p>
+            <a:pPr lvl="1"/>
+            <a:r>
+              <a:rPr lang="en-US" dirty="0"/>
+              <a:t>Mainly used for better performance and because it is widely used in industry</a:t>
+            </a:r>
+          </a:p>
+          <a:p>
+            <a:pPr lvl="1"/>
+            <a:r>
+              <a:rPr lang="en-US" dirty="0"/>
+              <a:t>Lr = 0.001</a:t>
+            </a:r>
+          </a:p>
+          <a:p>
+            <a:r>
+              <a:rPr lang="en-US" dirty="0"/>
+              <a:t>Used SGD for recognizer – ADAM didn’t generalize well</a:t>
+            </a:r>
+          </a:p>
+          <a:p>
+            <a:pPr lvl="1"/>
+            <a:r>
+              <a:rPr lang="en-US" dirty="0"/>
+              <a:t>SGD typically generalizes better – much better performance than ADAM and </a:t>
+            </a:r>
+            <a:r>
+              <a:rPr lang="en-US" dirty="0" err="1"/>
+              <a:t>AdaDelta</a:t>
+            </a:r>
             <a:endParaRPr lang="en-US" dirty="0"/>
           </a:p>
           <a:p>
-            <a:endParaRPr lang="en-US" dirty="0"/>
-          </a:p>
-        </p:txBody>
-      </p:sp>
-      <p:pic>
-        <p:nvPicPr>
-          <p:cNvPr id="4" name="Picture 3">
-            <a:extLst>
-              <a:ext uri="{FF2B5EF4-FFF2-40B4-BE49-F238E27FC236}">
-                <a16:creationId xmlns:a16="http://schemas.microsoft.com/office/drawing/2014/main" id="{C672BF2A-A323-4ED5-9581-CC7D1F9EF747}"/>
-              </a:ext>
-            </a:extLst>
-          </p:cNvPr>
-          <p:cNvPicPr>
-            <a:picLocks noChangeAspect="1"/>
-          </p:cNvPicPr>
-          <p:nvPr/>
-        </p:nvPicPr>
-        <p:blipFill>
-          <a:blip r:embed="rId2">
-            <a:extLst>
-              <a:ext uri="{28A0092B-C50C-407E-A947-70E740481C1C}">
-                <a14:useLocalDpi xmlns:a14="http://schemas.microsoft.com/office/drawing/2010/main" val="0"/>
-              </a:ext>
-            </a:extLst>
-          </a:blip>
-          <a:srcRect/>
-          <a:stretch>
-            <a:fillRect/>
-          </a:stretch>
-        </p:blipFill>
-        <p:spPr bwMode="auto">
-          <a:xfrm>
-            <a:off x="678374" y="4375030"/>
-            <a:ext cx="2526465" cy="2117845"/>
-          </a:xfrm>
-          <a:prstGeom prst="rect">
-            <a:avLst/>
-          </a:prstGeom>
-          <a:noFill/>
-          <a:ln>
-            <a:noFill/>
-          </a:ln>
-        </p:spPr>
-      </p:pic>
-      <p:pic>
-        <p:nvPicPr>
-          <p:cNvPr id="5" name="Picture 4">
-            <a:extLst>
-              <a:ext uri="{FF2B5EF4-FFF2-40B4-BE49-F238E27FC236}">
-                <a16:creationId xmlns:a16="http://schemas.microsoft.com/office/drawing/2014/main" id="{874FF16D-DA3C-4E4A-9732-13AE75B715B3}"/>
-              </a:ext>
-            </a:extLst>
-          </p:cNvPr>
-          <p:cNvPicPr>
-            <a:picLocks noChangeAspect="1"/>
-          </p:cNvPicPr>
-          <p:nvPr/>
-        </p:nvPicPr>
-        <p:blipFill>
-          <a:blip r:embed="rId3">
-            <a:extLst>
-              <a:ext uri="{28A0092B-C50C-407E-A947-70E740481C1C}">
-                <a14:useLocalDpi xmlns:a14="http://schemas.microsoft.com/office/drawing/2010/main" val="0"/>
-              </a:ext>
-            </a:extLst>
-          </a:blip>
-          <a:srcRect/>
-          <a:stretch>
-            <a:fillRect/>
-          </a:stretch>
-        </p:blipFill>
-        <p:spPr bwMode="auto">
-          <a:xfrm>
-            <a:off x="3593482" y="4422404"/>
-            <a:ext cx="2070471" cy="2070471"/>
-          </a:xfrm>
-          <a:prstGeom prst="rect">
-            <a:avLst/>
-          </a:prstGeom>
-          <a:noFill/>
-          <a:ln>
-            <a:noFill/>
-          </a:ln>
-        </p:spPr>
-      </p:pic>
-      <p:pic>
-        <p:nvPicPr>
-          <p:cNvPr id="6" name="Picture 5">
-            <a:extLst>
-              <a:ext uri="{FF2B5EF4-FFF2-40B4-BE49-F238E27FC236}">
-                <a16:creationId xmlns:a16="http://schemas.microsoft.com/office/drawing/2014/main" id="{11DF9E3D-6B69-4588-B463-CFD7A981A990}"/>
-              </a:ext>
-            </a:extLst>
-          </p:cNvPr>
-          <p:cNvPicPr>
-            <a:picLocks noChangeAspect="1"/>
-          </p:cNvPicPr>
-          <p:nvPr/>
-        </p:nvPicPr>
-        <p:blipFill>
-          <a:blip r:embed="rId4">
-            <a:extLst>
-              <a:ext uri="{28A0092B-C50C-407E-A947-70E740481C1C}">
-                <a14:useLocalDpi xmlns:a14="http://schemas.microsoft.com/office/drawing/2010/main" val="0"/>
-              </a:ext>
-            </a:extLst>
-          </a:blip>
-          <a:srcRect/>
-          <a:stretch>
-            <a:fillRect/>
-          </a:stretch>
-        </p:blipFill>
-        <p:spPr bwMode="auto">
-          <a:xfrm>
-            <a:off x="6559028" y="4375030"/>
-            <a:ext cx="2428135" cy="2428135"/>
-          </a:xfrm>
-          <a:prstGeom prst="rect">
-            <a:avLst/>
-          </a:prstGeom>
-          <a:noFill/>
-          <a:ln>
-            <a:noFill/>
-          </a:ln>
-        </p:spPr>
-      </p:pic>
+            <a:pPr lvl="1"/>
+            <a:r>
+              <a:rPr lang="en-US" dirty="0"/>
+              <a:t>Lr = 0.01</a:t>
+            </a:r>
+          </a:p>
+        </p:txBody>
+      </p:sp>
     </p:spTree>
     <p:extLst>
       <p:ext uri="{BB962C8B-B14F-4D97-AF65-F5344CB8AC3E}">
-        <p14:creationId xmlns:p14="http://schemas.microsoft.com/office/powerpoint/2010/main" val="1220865458"/>
+        <p14:creationId xmlns:p14="http://schemas.microsoft.com/office/powerpoint/2010/main" val="2209292294"/>
       </p:ext>
     </p:extLst>
   </p:cSld>

--- a/SVHN.pptx
+++ b/SVHN.pptx
@@ -271,7 +271,7 @@
           <a:p>
             <a:fld id="{454338D7-F725-4020-AE5E-5BA0AE476227}" type="datetimeFigureOut">
               <a:rPr lang="en-US" smtClean="0"/>
-              <a:t>2/7/2022</a:t>
+              <a:t>2/8/2022</a:t>
             </a:fld>
             <a:endParaRPr lang="en-US"/>
           </a:p>
@@ -469,7 +469,7 @@
           <a:p>
             <a:fld id="{454338D7-F725-4020-AE5E-5BA0AE476227}" type="datetimeFigureOut">
               <a:rPr lang="en-US" smtClean="0"/>
-              <a:t>2/7/2022</a:t>
+              <a:t>2/8/2022</a:t>
             </a:fld>
             <a:endParaRPr lang="en-US"/>
           </a:p>
@@ -677,7 +677,7 @@
           <a:p>
             <a:fld id="{454338D7-F725-4020-AE5E-5BA0AE476227}" type="datetimeFigureOut">
               <a:rPr lang="en-US" smtClean="0"/>
-              <a:t>2/7/2022</a:t>
+              <a:t>2/8/2022</a:t>
             </a:fld>
             <a:endParaRPr lang="en-US"/>
           </a:p>
@@ -875,7 +875,7 @@
           <a:p>
             <a:fld id="{454338D7-F725-4020-AE5E-5BA0AE476227}" type="datetimeFigureOut">
               <a:rPr lang="en-US" smtClean="0"/>
-              <a:t>2/7/2022</a:t>
+              <a:t>2/8/2022</a:t>
             </a:fld>
             <a:endParaRPr lang="en-US"/>
           </a:p>
@@ -1150,7 +1150,7 @@
           <a:p>
             <a:fld id="{454338D7-F725-4020-AE5E-5BA0AE476227}" type="datetimeFigureOut">
               <a:rPr lang="en-US" smtClean="0"/>
-              <a:t>2/7/2022</a:t>
+              <a:t>2/8/2022</a:t>
             </a:fld>
             <a:endParaRPr lang="en-US"/>
           </a:p>
@@ -1415,7 +1415,7 @@
           <a:p>
             <a:fld id="{454338D7-F725-4020-AE5E-5BA0AE476227}" type="datetimeFigureOut">
               <a:rPr lang="en-US" smtClean="0"/>
-              <a:t>2/7/2022</a:t>
+              <a:t>2/8/2022</a:t>
             </a:fld>
             <a:endParaRPr lang="en-US"/>
           </a:p>
@@ -1827,7 +1827,7 @@
           <a:p>
             <a:fld id="{454338D7-F725-4020-AE5E-5BA0AE476227}" type="datetimeFigureOut">
               <a:rPr lang="en-US" smtClean="0"/>
-              <a:t>2/7/2022</a:t>
+              <a:t>2/8/2022</a:t>
             </a:fld>
             <a:endParaRPr lang="en-US"/>
           </a:p>
@@ -1968,7 +1968,7 @@
           <a:p>
             <a:fld id="{454338D7-F725-4020-AE5E-5BA0AE476227}" type="datetimeFigureOut">
               <a:rPr lang="en-US" smtClean="0"/>
-              <a:t>2/7/2022</a:t>
+              <a:t>2/8/2022</a:t>
             </a:fld>
             <a:endParaRPr lang="en-US"/>
           </a:p>
@@ -2081,7 +2081,7 @@
           <a:p>
             <a:fld id="{454338D7-F725-4020-AE5E-5BA0AE476227}" type="datetimeFigureOut">
               <a:rPr lang="en-US" smtClean="0"/>
-              <a:t>2/7/2022</a:t>
+              <a:t>2/8/2022</a:t>
             </a:fld>
             <a:endParaRPr lang="en-US"/>
           </a:p>
@@ -2392,7 +2392,7 @@
           <a:p>
             <a:fld id="{454338D7-F725-4020-AE5E-5BA0AE476227}" type="datetimeFigureOut">
               <a:rPr lang="en-US" smtClean="0"/>
-              <a:t>2/7/2022</a:t>
+              <a:t>2/8/2022</a:t>
             </a:fld>
             <a:endParaRPr lang="en-US"/>
           </a:p>
@@ -2680,7 +2680,7 @@
           <a:p>
             <a:fld id="{454338D7-F725-4020-AE5E-5BA0AE476227}" type="datetimeFigureOut">
               <a:rPr lang="en-US" smtClean="0"/>
-              <a:t>2/7/2022</a:t>
+              <a:t>2/8/2022</a:t>
             </a:fld>
             <a:endParaRPr lang="en-US"/>
           </a:p>
@@ -2921,7 +2921,7 @@
           <a:p>
             <a:fld id="{454338D7-F725-4020-AE5E-5BA0AE476227}" type="datetimeFigureOut">
               <a:rPr lang="en-US" smtClean="0"/>
-              <a:t>2/7/2022</a:t>
+              <a:t>2/8/2022</a:t>
             </a:fld>
             <a:endParaRPr lang="en-US"/>
           </a:p>
@@ -4167,7 +4167,7 @@
           <a:p>
             <a:r>
               <a:rPr lang="en-US" dirty="0"/>
-              <a:t>Provided ground truth labels and positioning data (.json format)</a:t>
+              <a:t>Use provided ground truth labels and positioning data (.json format)</a:t>
             </a:r>
           </a:p>
           <a:p>
@@ -4178,6 +4178,114 @@
           </a:p>
         </p:txBody>
       </p:sp>
+      <p:pic>
+        <p:nvPicPr>
+          <p:cNvPr id="5" name="Picture 4" descr="A sign on a wall&#10;&#10;Description automatically generated with low confidence">
+            <a:extLst>
+              <a:ext uri="{FF2B5EF4-FFF2-40B4-BE49-F238E27FC236}">
+                <a16:creationId xmlns:a16="http://schemas.microsoft.com/office/drawing/2014/main" id="{D37EE419-CE1B-4668-9655-AA5FCBE32BCF}"/>
+              </a:ext>
+            </a:extLst>
+          </p:cNvPr>
+          <p:cNvPicPr>
+            <a:picLocks noChangeAspect="1"/>
+          </p:cNvPicPr>
+          <p:nvPr/>
+        </p:nvPicPr>
+        <p:blipFill>
+          <a:blip r:embed="rId2">
+            <a:extLst>
+              <a:ext uri="{28A0092B-C50C-407E-A947-70E740481C1C}">
+                <a14:useLocalDpi xmlns:a14="http://schemas.microsoft.com/office/drawing/2010/main" val="0"/>
+              </a:ext>
+            </a:extLst>
+          </a:blip>
+          <a:stretch>
+            <a:fillRect/>
+          </a:stretch>
+        </p:blipFill>
+        <p:spPr>
+          <a:xfrm>
+            <a:off x="838200" y="3817619"/>
+            <a:ext cx="3900063" cy="1842135"/>
+          </a:xfrm>
+          <a:prstGeom prst="rect">
+            <a:avLst/>
+          </a:prstGeom>
+        </p:spPr>
+      </p:pic>
+      <p:pic>
+        <p:nvPicPr>
+          <p:cNvPr id="7" name="Picture 6" descr="A close up of a logo&#10;&#10;Description automatically generated with medium confidence">
+            <a:extLst>
+              <a:ext uri="{FF2B5EF4-FFF2-40B4-BE49-F238E27FC236}">
+                <a16:creationId xmlns:a16="http://schemas.microsoft.com/office/drawing/2014/main" id="{0FCB518F-38D1-4A95-BD9F-D57E75463934}"/>
+              </a:ext>
+            </a:extLst>
+          </p:cNvPr>
+          <p:cNvPicPr>
+            <a:picLocks noChangeAspect="1"/>
+          </p:cNvPicPr>
+          <p:nvPr/>
+        </p:nvPicPr>
+        <p:blipFill>
+          <a:blip r:embed="rId3">
+            <a:extLst>
+              <a:ext uri="{28A0092B-C50C-407E-A947-70E740481C1C}">
+                <a14:useLocalDpi xmlns:a14="http://schemas.microsoft.com/office/drawing/2010/main" val="0"/>
+              </a:ext>
+            </a:extLst>
+          </a:blip>
+          <a:stretch>
+            <a:fillRect/>
+          </a:stretch>
+        </p:blipFill>
+        <p:spPr>
+          <a:xfrm>
+            <a:off x="4854892" y="4831079"/>
+            <a:ext cx="1628775" cy="828675"/>
+          </a:xfrm>
+          <a:prstGeom prst="rect">
+            <a:avLst/>
+          </a:prstGeom>
+        </p:spPr>
+      </p:pic>
+      <p:pic>
+        <p:nvPicPr>
+          <p:cNvPr id="9" name="Picture 8" descr="A picture containing text, meter, blurry&#10;&#10;Description automatically generated">
+            <a:extLst>
+              <a:ext uri="{FF2B5EF4-FFF2-40B4-BE49-F238E27FC236}">
+                <a16:creationId xmlns:a16="http://schemas.microsoft.com/office/drawing/2014/main" id="{76D02A35-DA95-4F77-919A-F16775CFB48E}"/>
+              </a:ext>
+            </a:extLst>
+          </p:cNvPr>
+          <p:cNvPicPr>
+            <a:picLocks noChangeAspect="1"/>
+          </p:cNvPicPr>
+          <p:nvPr/>
+        </p:nvPicPr>
+        <p:blipFill>
+          <a:blip r:embed="rId4">
+            <a:extLst>
+              <a:ext uri="{28A0092B-C50C-407E-A947-70E740481C1C}">
+                <a14:useLocalDpi xmlns:a14="http://schemas.microsoft.com/office/drawing/2010/main" val="0"/>
+              </a:ext>
+            </a:extLst>
+          </a:blip>
+          <a:stretch>
+            <a:fillRect/>
+          </a:stretch>
+        </p:blipFill>
+        <p:spPr>
+          <a:xfrm>
+            <a:off x="7110888" y="4916804"/>
+            <a:ext cx="1533525" cy="742950"/>
+          </a:xfrm>
+          <a:prstGeom prst="rect">
+            <a:avLst/>
+          </a:prstGeom>
+        </p:spPr>
+      </p:pic>
     </p:spTree>
     <p:extLst>
       <p:ext uri="{BB962C8B-B14F-4D97-AF65-F5344CB8AC3E}">
